--- a/Stenography-Project-PPT.pptx
+++ b/Stenography-Project-PPT.pptx
@@ -119,7 +119,7 @@
   </p:defaultTextStyle>
   <p:extLst>
     <p:ext uri="{EFAFB233-063F-42B5-8137-9DF3F51BA10A}">
-      <p15:sldGuideLst xmlns="" xmlns:p15="http://schemas.microsoft.com/office/powerpoint/2012/main"/>
+      <p15:sldGuideLst xmlns:p15="http://schemas.microsoft.com/office/powerpoint/2012/main" xmlns=""/>
     </p:ext>
   </p:extLst>
 </p:presentation>
@@ -208,7 +208,7 @@
             <a:fld id="{46256A78-79A6-408F-8148-4F87BB81602D}" type="datetimeFigureOut">
               <a:rPr lang="en-IN" smtClean="0"/>
               <a:pPr/>
-              <a:t>17-02-2025</a:t>
+              <a:t>19-02-2025</a:t>
             </a:fld>
             <a:endParaRPr lang="en-IN"/>
           </a:p>
@@ -377,7 +377,7 @@
     </p:spTree>
     <p:extLst>
       <p:ext uri="{BB962C8B-B14F-4D97-AF65-F5344CB8AC3E}">
-        <p14:creationId xmlns:p14="http://schemas.microsoft.com/office/powerpoint/2010/main" xmlns="" val="538008421"/>
+        <p14:creationId xmlns="" xmlns:p14="http://schemas.microsoft.com/office/powerpoint/2010/main" val="538008421"/>
       </p:ext>
     </p:extLst>
   </p:cSld>
@@ -695,7 +695,7 @@
           <p:cNvPr id="8" name="Date Placeholder 7">
             <a:extLst>
               <a:ext uri="{FF2B5EF4-FFF2-40B4-BE49-F238E27FC236}">
-                <a16:creationId xmlns="" xmlns:a16="http://schemas.microsoft.com/office/drawing/2014/main" id="{7FA0ACE7-29A8-47D3-A7D9-257B711D8023}"/>
+                <a16:creationId xmlns:a16="http://schemas.microsoft.com/office/drawing/2014/main" xmlns="" id="{7FA0ACE7-29A8-47D3-A7D9-257B711D8023}"/>
               </a:ext>
             </a:extLst>
           </p:cNvPr>
@@ -714,7 +714,7 @@
             <a:fld id="{ED291B17-9318-49DB-B28B-6E5994AE9581}" type="datetime1">
               <a:rPr lang="en-US" smtClean="0"/>
               <a:pPr/>
-              <a:t>2/17/2025</a:t>
+              <a:t>2/19/2025</a:t>
             </a:fld>
             <a:endParaRPr lang="en-US"/>
           </a:p>
@@ -725,7 +725,7 @@
           <p:cNvPr id="9" name="Footer Placeholder 8">
             <a:extLst>
               <a:ext uri="{FF2B5EF4-FFF2-40B4-BE49-F238E27FC236}">
-                <a16:creationId xmlns="" xmlns:a16="http://schemas.microsoft.com/office/drawing/2014/main" id="{DEC604B9-52E9-4810-8359-47206518D038}"/>
+                <a16:creationId xmlns:a16="http://schemas.microsoft.com/office/drawing/2014/main" xmlns="" id="{DEC604B9-52E9-4810-8359-47206518D038}"/>
               </a:ext>
             </a:extLst>
           </p:cNvPr>
@@ -758,7 +758,7 @@
           <p:cNvPr id="10" name="Slide Number Placeholder 9">
             <a:extLst>
               <a:ext uri="{FF2B5EF4-FFF2-40B4-BE49-F238E27FC236}">
-                <a16:creationId xmlns="" xmlns:a16="http://schemas.microsoft.com/office/drawing/2014/main" id="{5898A89F-CA25-400F-B05A-AECBF2517E4F}"/>
+                <a16:creationId xmlns:a16="http://schemas.microsoft.com/office/drawing/2014/main" xmlns="" id="{5898A89F-CA25-400F-B05A-AECBF2517E4F}"/>
               </a:ext>
             </a:extLst>
           </p:cNvPr>
@@ -786,7 +786,7 @@
     </p:spTree>
     <p:extLst>
       <p:ext uri="{BB962C8B-B14F-4D97-AF65-F5344CB8AC3E}">
-        <p14:creationId xmlns:p14="http://schemas.microsoft.com/office/powerpoint/2010/main" xmlns="" val="490017585"/>
+        <p14:creationId xmlns="" xmlns:p14="http://schemas.microsoft.com/office/powerpoint/2010/main" val="490017585"/>
       </p:ext>
     </p:extLst>
   </p:cSld>
@@ -925,7 +925,7 @@
             <a:fld id="{2CED4963-E985-44C4-B8C4-FDD613B7C2F8}" type="datetime1">
               <a:rPr lang="en-US" smtClean="0"/>
               <a:pPr/>
-              <a:t>2/17/2025</a:t>
+              <a:t>2/19/2025</a:t>
             </a:fld>
             <a:endParaRPr lang="en-US"/>
           </a:p>
@@ -985,7 +985,7 @@
     </p:spTree>
     <p:extLst>
       <p:ext uri="{BB962C8B-B14F-4D97-AF65-F5344CB8AC3E}">
-        <p14:creationId xmlns:p14="http://schemas.microsoft.com/office/powerpoint/2010/main" xmlns="" val="1283591147"/>
+        <p14:creationId xmlns="" xmlns:p14="http://schemas.microsoft.com/office/powerpoint/2010/main" val="1283591147"/>
       </p:ext>
     </p:extLst>
   </p:cSld>
@@ -1147,7 +1147,7 @@
           <p:cNvPr id="8" name="Rectangle 7">
             <a:extLst>
               <a:ext uri="{FF2B5EF4-FFF2-40B4-BE49-F238E27FC236}">
-                <a16:creationId xmlns="" xmlns:a16="http://schemas.microsoft.com/office/drawing/2014/main" id="{F6423B97-A5D4-47B9-8861-73B3707A04CF}"/>
+                <a16:creationId xmlns:a16="http://schemas.microsoft.com/office/drawing/2014/main" xmlns="" id="{F6423B97-A5D4-47B9-8861-73B3707A04CF}"/>
               </a:ext>
             </a:extLst>
           </p:cNvPr>
@@ -1190,7 +1190,7 @@
           <p:cNvPr id="9" name="Rectangle 8">
             <a:extLst>
               <a:ext uri="{FF2B5EF4-FFF2-40B4-BE49-F238E27FC236}">
-                <a16:creationId xmlns="" xmlns:a16="http://schemas.microsoft.com/office/drawing/2014/main" id="{1AEC0421-37B4-4481-A10D-69FDF5EC7909}"/>
+                <a16:creationId xmlns:a16="http://schemas.microsoft.com/office/drawing/2014/main" xmlns="" id="{1AEC0421-37B4-4481-A10D-69FDF5EC7909}"/>
               </a:ext>
             </a:extLst>
           </p:cNvPr>
@@ -1233,7 +1233,7 @@
           <p:cNvPr id="10" name="Rectangle 9">
             <a:extLst>
               <a:ext uri="{FF2B5EF4-FFF2-40B4-BE49-F238E27FC236}">
-                <a16:creationId xmlns="" xmlns:a16="http://schemas.microsoft.com/office/drawing/2014/main" id="{5F7265B5-9F97-4F1E-99E9-74F7B7E62337}"/>
+                <a16:creationId xmlns:a16="http://schemas.microsoft.com/office/drawing/2014/main" xmlns="" id="{5F7265B5-9F97-4F1E-99E9-74F7B7E62337}"/>
               </a:ext>
             </a:extLst>
           </p:cNvPr>
@@ -1276,7 +1276,7 @@
           <p:cNvPr id="11" name="Date Placeholder 10">
             <a:extLst>
               <a:ext uri="{FF2B5EF4-FFF2-40B4-BE49-F238E27FC236}">
-                <a16:creationId xmlns="" xmlns:a16="http://schemas.microsoft.com/office/drawing/2014/main" id="{5C74A470-3BD3-4F33-80E5-67E6E87FCBE7}"/>
+                <a16:creationId xmlns:a16="http://schemas.microsoft.com/office/drawing/2014/main" xmlns="" id="{5C74A470-3BD3-4F33-80E5-67E6E87FCBE7}"/>
               </a:ext>
             </a:extLst>
           </p:cNvPr>
@@ -1295,7 +1295,7 @@
             <a:fld id="{ED291B17-9318-49DB-B28B-6E5994AE9581}" type="datetime1">
               <a:rPr lang="en-US" smtClean="0"/>
               <a:pPr/>
-              <a:t>2/17/2025</a:t>
+              <a:t>2/19/2025</a:t>
             </a:fld>
             <a:endParaRPr lang="en-US"/>
           </a:p>
@@ -1306,7 +1306,7 @@
           <p:cNvPr id="12" name="Footer Placeholder 11">
             <a:extLst>
               <a:ext uri="{FF2B5EF4-FFF2-40B4-BE49-F238E27FC236}">
-                <a16:creationId xmlns="" xmlns:a16="http://schemas.microsoft.com/office/drawing/2014/main" id="{9A3A30BA-DB50-4D7D-BCDE-17D20FB354DF}"/>
+                <a16:creationId xmlns:a16="http://schemas.microsoft.com/office/drawing/2014/main" xmlns="" id="{9A3A30BA-DB50-4D7D-BCDE-17D20FB354DF}"/>
               </a:ext>
             </a:extLst>
           </p:cNvPr>
@@ -1339,7 +1339,7 @@
           <p:cNvPr id="13" name="Slide Number Placeholder 12">
             <a:extLst>
               <a:ext uri="{FF2B5EF4-FFF2-40B4-BE49-F238E27FC236}">
-                <a16:creationId xmlns="" xmlns:a16="http://schemas.microsoft.com/office/drawing/2014/main" id="{76FF9E58-C0B2-436B-A21C-DB45A00D6515}"/>
+                <a16:creationId xmlns:a16="http://schemas.microsoft.com/office/drawing/2014/main" xmlns="" id="{76FF9E58-C0B2-436B-A21C-DB45A00D6515}"/>
               </a:ext>
             </a:extLst>
           </p:cNvPr>
@@ -1367,7 +1367,7 @@
     </p:spTree>
     <p:extLst>
       <p:ext uri="{BB962C8B-B14F-4D97-AF65-F5344CB8AC3E}">
-        <p14:creationId xmlns:p14="http://schemas.microsoft.com/office/powerpoint/2010/main" xmlns="" val="3388849626"/>
+        <p14:creationId xmlns="" xmlns:p14="http://schemas.microsoft.com/office/powerpoint/2010/main" val="3388849626"/>
       </p:ext>
     </p:extLst>
   </p:cSld>
@@ -1482,7 +1482,7 @@
           <p:cNvPr id="8" name="Date Placeholder 7">
             <a:extLst>
               <a:ext uri="{FF2B5EF4-FFF2-40B4-BE49-F238E27FC236}">
-                <a16:creationId xmlns="" xmlns:a16="http://schemas.microsoft.com/office/drawing/2014/main" id="{770E6237-3456-439F-802D-3BA93FC7E3E5}"/>
+                <a16:creationId xmlns:a16="http://schemas.microsoft.com/office/drawing/2014/main" xmlns="" id="{770E6237-3456-439F-802D-3BA93FC7E3E5}"/>
               </a:ext>
             </a:extLst>
           </p:cNvPr>
@@ -1501,7 +1501,7 @@
             <a:fld id="{78DD82B9-B8EE-4375-B6FF-88FA6ABB15D9}" type="datetime1">
               <a:rPr lang="en-US" smtClean="0"/>
               <a:pPr/>
-              <a:t>2/17/2025</a:t>
+              <a:t>2/19/2025</a:t>
             </a:fld>
             <a:endParaRPr lang="en-US"/>
           </a:p>
@@ -1510,7 +1510,7 @@
     </p:spTree>
     <p:extLst>
       <p:ext uri="{BB962C8B-B14F-4D97-AF65-F5344CB8AC3E}">
-        <p14:creationId xmlns:p14="http://schemas.microsoft.com/office/powerpoint/2010/main" xmlns="" val="852443411"/>
+        <p14:creationId xmlns="" xmlns:p14="http://schemas.microsoft.com/office/powerpoint/2010/main" val="852443411"/>
       </p:ext>
     </p:extLst>
   </p:cSld>
@@ -1740,7 +1740,7 @@
           <p:cNvPr id="7" name="Date Placeholder 6">
             <a:extLst>
               <a:ext uri="{FF2B5EF4-FFF2-40B4-BE49-F238E27FC236}">
-                <a16:creationId xmlns="" xmlns:a16="http://schemas.microsoft.com/office/drawing/2014/main" id="{61582016-5696-4A93-887F-BBB3B9002FE5}"/>
+                <a16:creationId xmlns:a16="http://schemas.microsoft.com/office/drawing/2014/main" xmlns="" id="{61582016-5696-4A93-887F-BBB3B9002FE5}"/>
               </a:ext>
             </a:extLst>
           </p:cNvPr>
@@ -1759,7 +1759,7 @@
             <a:fld id="{B2497495-0637-405E-AE64-5CC7506D51F5}" type="datetime1">
               <a:rPr lang="en-US" smtClean="0"/>
               <a:pPr/>
-              <a:t>2/17/2025</a:t>
+              <a:t>2/19/2025</a:t>
             </a:fld>
             <a:endParaRPr lang="en-US"/>
           </a:p>
@@ -1770,7 +1770,7 @@
           <p:cNvPr id="9" name="Footer Placeholder 8">
             <a:extLst>
               <a:ext uri="{FF2B5EF4-FFF2-40B4-BE49-F238E27FC236}">
-                <a16:creationId xmlns="" xmlns:a16="http://schemas.microsoft.com/office/drawing/2014/main" id="{857CFCD5-1192-4E18-8A8F-29E153B44DA4}"/>
+                <a16:creationId xmlns:a16="http://schemas.microsoft.com/office/drawing/2014/main" xmlns="" id="{857CFCD5-1192-4E18-8A8F-29E153B44DA4}"/>
               </a:ext>
             </a:extLst>
           </p:cNvPr>
@@ -1803,7 +1803,7 @@
           <p:cNvPr id="10" name="Slide Number Placeholder 9">
             <a:extLst>
               <a:ext uri="{FF2B5EF4-FFF2-40B4-BE49-F238E27FC236}">
-                <a16:creationId xmlns="" xmlns:a16="http://schemas.microsoft.com/office/drawing/2014/main" id="{E39A109E-5018-4794-92B3-FD5E5BCD95E8}"/>
+                <a16:creationId xmlns:a16="http://schemas.microsoft.com/office/drawing/2014/main" xmlns="" id="{E39A109E-5018-4794-92B3-FD5E5BCD95E8}"/>
               </a:ext>
             </a:extLst>
           </p:cNvPr>
@@ -1831,7 +1831,7 @@
     </p:spTree>
     <p:extLst>
       <p:ext uri="{BB962C8B-B14F-4D97-AF65-F5344CB8AC3E}">
-        <p14:creationId xmlns:p14="http://schemas.microsoft.com/office/powerpoint/2010/main" xmlns="" val="366680978"/>
+        <p14:creationId xmlns="" xmlns:p14="http://schemas.microsoft.com/office/powerpoint/2010/main" val="366680978"/>
       </p:ext>
     </p:extLst>
   </p:cSld>
@@ -2019,7 +2019,7 @@
             <a:fld id="{7BFFD690-9426-415D-8B65-26881E07B2D4}" type="datetime1">
               <a:rPr lang="en-US" smtClean="0"/>
               <a:pPr/>
-              <a:t>2/17/2025</a:t>
+              <a:t>2/19/2025</a:t>
             </a:fld>
             <a:endParaRPr lang="en-US"/>
           </a:p>
@@ -2079,7 +2079,7 @@
     </p:spTree>
     <p:extLst>
       <p:ext uri="{BB962C8B-B14F-4D97-AF65-F5344CB8AC3E}">
-        <p14:creationId xmlns:p14="http://schemas.microsoft.com/office/powerpoint/2010/main" xmlns="" val="2483323219"/>
+        <p14:creationId xmlns="" xmlns:p14="http://schemas.microsoft.com/office/powerpoint/2010/main" val="2483323219"/>
       </p:ext>
     </p:extLst>
   </p:cSld>
@@ -2448,7 +2448,7 @@
             <a:fld id="{04C4989A-474C-40DE-95B9-011C28B71673}" type="datetime1">
               <a:rPr lang="en-US" smtClean="0"/>
               <a:pPr/>
-              <a:t>2/17/2025</a:t>
+              <a:t>2/19/2025</a:t>
             </a:fld>
             <a:endParaRPr lang="en-US"/>
           </a:p>
@@ -2508,7 +2508,7 @@
     </p:spTree>
     <p:extLst>
       <p:ext uri="{BB962C8B-B14F-4D97-AF65-F5344CB8AC3E}">
-        <p14:creationId xmlns:p14="http://schemas.microsoft.com/office/powerpoint/2010/main" xmlns="" val="1748046589"/>
+        <p14:creationId xmlns="" xmlns:p14="http://schemas.microsoft.com/office/powerpoint/2010/main" val="1748046589"/>
       </p:ext>
     </p:extLst>
   </p:cSld>
@@ -2580,7 +2580,7 @@
             <a:fld id="{5DB4ED54-5B5E-4A04-93D3-5772E3CE3818}" type="datetime1">
               <a:rPr lang="en-US" smtClean="0"/>
               <a:pPr/>
-              <a:t>2/17/2025</a:t>
+              <a:t>2/19/2025</a:t>
             </a:fld>
             <a:endParaRPr lang="en-US"/>
           </a:p>
@@ -2640,7 +2640,7 @@
     </p:spTree>
     <p:extLst>
       <p:ext uri="{BB962C8B-B14F-4D97-AF65-F5344CB8AC3E}">
-        <p14:creationId xmlns:p14="http://schemas.microsoft.com/office/powerpoint/2010/main" xmlns="" val="112936382"/>
+        <p14:creationId xmlns="" xmlns:p14="http://schemas.microsoft.com/office/powerpoint/2010/main" val="112936382"/>
       </p:ext>
     </p:extLst>
   </p:cSld>
@@ -2685,7 +2685,7 @@
             <a:fld id="{4EDE50D6-574B-40AF-946F-D52A04ADE379}" type="datetime1">
               <a:rPr lang="en-US" smtClean="0"/>
               <a:pPr/>
-              <a:t>2/17/2025</a:t>
+              <a:t>2/19/2025</a:t>
             </a:fld>
             <a:endParaRPr lang="en-US"/>
           </a:p>
@@ -2745,7 +2745,7 @@
     </p:spTree>
     <p:extLst>
       <p:ext uri="{BB962C8B-B14F-4D97-AF65-F5344CB8AC3E}">
-        <p14:creationId xmlns:p14="http://schemas.microsoft.com/office/powerpoint/2010/main" xmlns="" val="1129494974"/>
+        <p14:creationId xmlns="" xmlns:p14="http://schemas.microsoft.com/office/powerpoint/2010/main" val="1129494974"/>
       </p:ext>
     </p:extLst>
   </p:cSld>
@@ -3046,7 +3046,7 @@
           <p:cNvPr id="8" name="Date Placeholder 7">
             <a:extLst>
               <a:ext uri="{FF2B5EF4-FFF2-40B4-BE49-F238E27FC236}">
-                <a16:creationId xmlns="" xmlns:a16="http://schemas.microsoft.com/office/drawing/2014/main" id="{0B919CC2-2A65-446F-B538-9E6249035445}"/>
+                <a16:creationId xmlns:a16="http://schemas.microsoft.com/office/drawing/2014/main" xmlns="" id="{0B919CC2-2A65-446F-B538-9E6249035445}"/>
               </a:ext>
             </a:extLst>
           </p:cNvPr>
@@ -3070,7 +3070,7 @@
             <a:fld id="{D82884F1-FFEA-405F-9602-3DCA865EDA4E}" type="datetime1">
               <a:rPr lang="en-US" smtClean="0"/>
               <a:pPr/>
-              <a:t>2/17/2025</a:t>
+              <a:t>2/19/2025</a:t>
             </a:fld>
             <a:endParaRPr lang="en-US"/>
           </a:p>
@@ -3081,7 +3081,7 @@
           <p:cNvPr id="10" name="Footer Placeholder 9">
             <a:extLst>
               <a:ext uri="{FF2B5EF4-FFF2-40B4-BE49-F238E27FC236}">
-                <a16:creationId xmlns="" xmlns:a16="http://schemas.microsoft.com/office/drawing/2014/main" id="{B72412AE-119E-4982-8B24-63365EFCA796}"/>
+                <a16:creationId xmlns:a16="http://schemas.microsoft.com/office/drawing/2014/main" xmlns="" id="{B72412AE-119E-4982-8B24-63365EFCA796}"/>
               </a:ext>
             </a:extLst>
           </p:cNvPr>
@@ -3114,7 +3114,7 @@
           <p:cNvPr id="11" name="Slide Number Placeholder 10">
             <a:extLst>
               <a:ext uri="{FF2B5EF4-FFF2-40B4-BE49-F238E27FC236}">
-                <a16:creationId xmlns="" xmlns:a16="http://schemas.microsoft.com/office/drawing/2014/main" id="{7FC4BB19-6AD1-45CF-9F99-00B109890FAB}"/>
+                <a16:creationId xmlns:a16="http://schemas.microsoft.com/office/drawing/2014/main" xmlns="" id="{7FC4BB19-6AD1-45CF-9F99-00B109890FAB}"/>
               </a:ext>
             </a:extLst>
           </p:cNvPr>
@@ -3147,7 +3147,7 @@
     </p:spTree>
     <p:extLst>
       <p:ext uri="{BB962C8B-B14F-4D97-AF65-F5344CB8AC3E}">
-        <p14:creationId xmlns:p14="http://schemas.microsoft.com/office/powerpoint/2010/main" xmlns="" val="1261766693"/>
+        <p14:creationId xmlns="" xmlns:p14="http://schemas.microsoft.com/office/powerpoint/2010/main" val="1261766693"/>
       </p:ext>
     </p:extLst>
   </p:cSld>
@@ -3365,7 +3365,7 @@
             <a:fld id="{7E18DB4A-8810-4A10-AD5C-D5E2C667F5B3}" type="datetime1">
               <a:rPr lang="en-US" smtClean="0"/>
               <a:pPr/>
-              <a:t>2/17/2025</a:t>
+              <a:t>2/19/2025</a:t>
             </a:fld>
             <a:endParaRPr lang="en-US"/>
           </a:p>
@@ -3426,7 +3426,7 @@
     </p:spTree>
     <p:extLst>
       <p:ext uri="{BB962C8B-B14F-4D97-AF65-F5344CB8AC3E}">
-        <p14:creationId xmlns:p14="http://schemas.microsoft.com/office/powerpoint/2010/main" xmlns="" val="3573289553"/>
+        <p14:creationId xmlns="" xmlns:p14="http://schemas.microsoft.com/office/powerpoint/2010/main" val="3573289553"/>
       </p:ext>
     </p:extLst>
   </p:cSld>
@@ -3588,7 +3588,7 @@
             <a:fld id="{ED291B17-9318-49DB-B28B-6E5994AE9581}" type="datetime1">
               <a:rPr lang="en-US" smtClean="0"/>
               <a:pPr/>
-              <a:t>2/17/2025</a:t>
+              <a:t>2/19/2025</a:t>
             </a:fld>
             <a:endParaRPr lang="en-US"/>
           </a:p>
@@ -3753,7 +3753,7 @@
           <p:cNvPr id="8" name="Picture 7" descr="Logo&#10;&#10;Description automatically generated">
             <a:extLst>
               <a:ext uri="{FF2B5EF4-FFF2-40B4-BE49-F238E27FC236}">
-                <a16:creationId xmlns="" xmlns:a16="http://schemas.microsoft.com/office/drawing/2014/main" id="{14A64E4D-8DED-7830-2955-1BE78C5B0655}"/>
+                <a16:creationId xmlns:a16="http://schemas.microsoft.com/office/drawing/2014/main" xmlns="" id="{14A64E4D-8DED-7830-2955-1BE78C5B0655}"/>
               </a:ext>
             </a:extLst>
           </p:cNvPr>
@@ -3781,7 +3781,7 @@
     </p:spTree>
     <p:extLst>
       <p:ext uri="{BB962C8B-B14F-4D97-AF65-F5344CB8AC3E}">
-        <p14:creationId xmlns:p14="http://schemas.microsoft.com/office/powerpoint/2010/main" xmlns="" val="3000897896"/>
+        <p14:creationId xmlns="" xmlns:p14="http://schemas.microsoft.com/office/powerpoint/2010/main" val="3000897896"/>
       </p:ext>
     </p:extLst>
   </p:cSld>
@@ -4218,7 +4218,7 @@
           <p:cNvPr id="2" name="Title 1">
             <a:extLst>
               <a:ext uri="{FF2B5EF4-FFF2-40B4-BE49-F238E27FC236}">
-                <a16:creationId xmlns="" xmlns:a16="http://schemas.microsoft.com/office/drawing/2014/main" id="{A8A11E26-4C38-41A6-9857-11032CEECD80}"/>
+                <a16:creationId xmlns:a16="http://schemas.microsoft.com/office/drawing/2014/main" xmlns="" id="{A8A11E26-4C38-41A6-9857-11032CEECD80}"/>
               </a:ext>
             </a:extLst>
           </p:cNvPr>
@@ -4318,7 +4318,7 @@
         <p:spPr>
           <a:xfrm>
             <a:off x="1742174" y="5053264"/>
-            <a:ext cx="8162222" cy="1015663"/>
+            <a:ext cx="8162222" cy="707886"/>
           </a:xfrm>
           <a:prstGeom prst="rect">
             <a:avLst/>
@@ -4386,71 +4386,12 @@
               </a:rPr>
               <a:t>Baraiya</a:t>
             </a:r>
-            <a:endParaRPr lang="en-US" sz="2000" dirty="0">
+            <a:endParaRPr lang="en-US" sz="2000" dirty="0" smtClean="0">
               <a:solidFill>
                 <a:schemeClr val="bg1"/>
               </a:solidFill>
               <a:latin typeface="Arial" pitchFamily="34" charset="0"/>
               <a:cs typeface="Arial" pitchFamily="34" charset="0"/>
-            </a:endParaRPr>
-          </a:p>
-          <a:p>
-            <a:r>
-              <a:rPr lang="en-US" sz="2000" b="1" dirty="0" smtClean="0">
-                <a:solidFill>
-                  <a:schemeClr val="bg1"/>
-                </a:solidFill>
-                <a:latin typeface="Arial"/>
-                <a:cs typeface="Arial"/>
-              </a:rPr>
-              <a:t>Student Name </a:t>
-            </a:r>
-            <a:r>
-              <a:rPr lang="en-US" sz="2000" b="1" dirty="0">
-                <a:solidFill>
-                  <a:schemeClr val="bg1"/>
-                </a:solidFill>
-                <a:latin typeface="Arial"/>
-                <a:cs typeface="Arial"/>
-              </a:rPr>
-              <a:t>: </a:t>
-            </a:r>
-            <a:r>
-              <a:rPr lang="en-US" sz="2000" dirty="0" err="1" smtClean="0">
-                <a:solidFill>
-                  <a:schemeClr val="bg1"/>
-                </a:solidFill>
-                <a:latin typeface="Arial" pitchFamily="34" charset="0"/>
-                <a:cs typeface="Arial" pitchFamily="34" charset="0"/>
-              </a:rPr>
-              <a:t>Vishal</a:t>
-            </a:r>
-            <a:r>
-              <a:rPr lang="en-US" sz="2000" dirty="0" smtClean="0">
-                <a:solidFill>
-                  <a:schemeClr val="bg1"/>
-                </a:solidFill>
-                <a:latin typeface="Arial" pitchFamily="34" charset="0"/>
-                <a:cs typeface="Arial" pitchFamily="34" charset="0"/>
-              </a:rPr>
-              <a:t> </a:t>
-            </a:r>
-            <a:r>
-              <a:rPr lang="en-US" sz="2000" dirty="0" err="1" smtClean="0">
-                <a:solidFill>
-                  <a:schemeClr val="bg1"/>
-                </a:solidFill>
-                <a:latin typeface="Arial" pitchFamily="34" charset="0"/>
-                <a:cs typeface="Arial" pitchFamily="34" charset="0"/>
-              </a:rPr>
-              <a:t>Baraiya</a:t>
-            </a:r>
-            <a:endParaRPr lang="en-US" sz="2000" dirty="0">
-              <a:solidFill>
-                <a:schemeClr val="bg1"/>
-              </a:solidFill>
-              <a:latin typeface="Arial"/>
-              <a:cs typeface="Arial"/>
             </a:endParaRPr>
           </a:p>
           <a:p>
@@ -4537,7 +4478,7 @@
     </p:spTree>
     <p:extLst>
       <p:ext uri="{BB962C8B-B14F-4D97-AF65-F5344CB8AC3E}">
-        <p14:creationId xmlns:p14="http://schemas.microsoft.com/office/powerpoint/2010/main" xmlns="" val="953325580"/>
+        <p14:creationId xmlns="" xmlns:p14="http://schemas.microsoft.com/office/powerpoint/2010/main" val="953325580"/>
       </p:ext>
     </p:extLst>
   </p:cSld>
@@ -4579,7 +4520,7 @@
           <p:cNvPr id="3" name="Content Placeholder 2">
             <a:extLst>
               <a:ext uri="{FF2B5EF4-FFF2-40B4-BE49-F238E27FC236}">
-                <a16:creationId xmlns="" xmlns:a16="http://schemas.microsoft.com/office/drawing/2014/main" id="{A6638FD1-D00E-E75B-705C-564F06D93D7B}"/>
+                <a16:creationId xmlns:a16="http://schemas.microsoft.com/office/drawing/2014/main" xmlns="" id="{A6638FD1-D00E-E75B-705C-564F06D93D7B}"/>
               </a:ext>
             </a:extLst>
           </p:cNvPr>
@@ -4621,49 +4562,25 @@
           <a:p>
             <a:r>
               <a:rPr lang="en-US" b="1" dirty="0" smtClean="0"/>
-              <a:t>1. Advanced Encoding </a:t>
-            </a:r>
+              <a:t>1. Advanced Encoding Techniques:</a:t>
+            </a:r>
+          </a:p>
+          <a:p>
             <a:r>
               <a:rPr lang="en-US" b="1" dirty="0" smtClean="0"/>
-              <a:t>Techniques:</a:t>
+              <a:t>2. Support for More Media Types:</a:t>
             </a:r>
           </a:p>
           <a:p>
             <a:r>
               <a:rPr lang="en-US" b="1" dirty="0" smtClean="0"/>
-              <a:t>2</a:t>
-            </a:r>
+              <a:t>3. Password Protection and Encryption Enhancements:</a:t>
+            </a:r>
+          </a:p>
+          <a:p>
             <a:r>
               <a:rPr lang="en-US" b="1" dirty="0" smtClean="0"/>
-              <a:t>. Support for More Media </a:t>
-            </a:r>
-            <a:r>
-              <a:rPr lang="en-US" b="1" dirty="0" smtClean="0"/>
-              <a:t>Types:</a:t>
-            </a:r>
-          </a:p>
-          <a:p>
-            <a:r>
-              <a:rPr lang="en-US" b="1" dirty="0" smtClean="0"/>
-              <a:t>3</a:t>
-            </a:r>
-            <a:r>
-              <a:rPr lang="en-US" b="1" dirty="0" smtClean="0"/>
-              <a:t>. Password Protection and Encryption </a:t>
-            </a:r>
-            <a:r>
-              <a:rPr lang="en-US" b="1" dirty="0" smtClean="0"/>
-              <a:t>Enhancements:</a:t>
-            </a:r>
-          </a:p>
-          <a:p>
-            <a:r>
-              <a:rPr lang="en-US" b="1" dirty="0" smtClean="0"/>
-              <a:t>4</a:t>
-            </a:r>
-            <a:r>
-              <a:rPr lang="en-US" b="1" dirty="0" smtClean="0"/>
-              <a:t>. </a:t>
+              <a:t>4. </a:t>
             </a:r>
             <a:r>
               <a:rPr lang="en-US" b="1" dirty="0" err="1" smtClean="0"/>
@@ -4671,35 +4588,19 @@
             </a:r>
             <a:r>
               <a:rPr lang="en-US" b="1" dirty="0" smtClean="0"/>
-              <a:t> for Large </a:t>
-            </a:r>
+              <a:t> for Large Files:</a:t>
+            </a:r>
+          </a:p>
+          <a:p>
             <a:r>
               <a:rPr lang="en-US" b="1" dirty="0" smtClean="0"/>
-              <a:t>Files:</a:t>
+              <a:t>5. Cross-Platform Support::</a:t>
             </a:r>
           </a:p>
           <a:p>
             <a:r>
               <a:rPr lang="en-US" b="1" dirty="0" smtClean="0"/>
-              <a:t>5</a:t>
-            </a:r>
-            <a:r>
-              <a:rPr lang="en-US" b="1" dirty="0" smtClean="0"/>
-              <a:t>. Cross-Platform </a:t>
-            </a:r>
-            <a:r>
-              <a:rPr lang="en-US" b="1" dirty="0" smtClean="0"/>
-              <a:t>Support::</a:t>
-            </a:r>
-          </a:p>
-          <a:p>
-            <a:r>
-              <a:rPr lang="en-US" b="1" dirty="0" smtClean="0"/>
-              <a:t>6</a:t>
-            </a:r>
-            <a:r>
-              <a:rPr lang="en-US" b="1" dirty="0" smtClean="0"/>
-              <a:t>. Improved User </a:t>
+              <a:t>6. Improved User </a:t>
             </a:r>
             <a:r>
               <a:rPr lang="en-US" b="1" dirty="0" err="1" smtClean="0"/>
@@ -4707,17 +4608,12 @@
             </a:r>
             <a:r>
               <a:rPr lang="en-US" b="1" dirty="0" smtClean="0"/>
-              <a:t>-and-Drop </a:t>
-            </a:r>
-            <a:r>
-              <a:rPr lang="en-US" b="1" dirty="0" smtClean="0"/>
-              <a:t>Support</a:t>
+              <a:t>-and-Drop Support</a:t>
             </a:r>
             <a:r>
               <a:rPr lang="en-US" dirty="0" smtClean="0"/>
               <a:t>:</a:t>
             </a:r>
-            <a:endParaRPr lang="en-US" dirty="0" smtClean="0"/>
           </a:p>
           <a:p>
             <a:r>
@@ -4744,7 +4640,7 @@
           <p:cNvPr id="5" name="Title 4">
             <a:extLst>
               <a:ext uri="{FF2B5EF4-FFF2-40B4-BE49-F238E27FC236}">
-                <a16:creationId xmlns="" xmlns:a16="http://schemas.microsoft.com/office/drawing/2014/main" id="{3F968F13-9AC4-7120-7ACD-9F752C767D5D}"/>
+                <a16:creationId xmlns:a16="http://schemas.microsoft.com/office/drawing/2014/main" xmlns="" id="{3F968F13-9AC4-7120-7ACD-9F752C767D5D}"/>
               </a:ext>
             </a:extLst>
           </p:cNvPr>
@@ -4878,7 +4774,7 @@
     </p:spTree>
     <p:extLst>
       <p:ext uri="{BB962C8B-B14F-4D97-AF65-F5344CB8AC3E}">
-        <p14:creationId xmlns:p14="http://schemas.microsoft.com/office/powerpoint/2010/main" xmlns="" val="614882681"/>
+        <p14:creationId xmlns="" xmlns:p14="http://schemas.microsoft.com/office/powerpoint/2010/main" val="614882681"/>
       </p:ext>
     </p:extLst>
   </p:cSld>
@@ -5431,7 +5327,7 @@
           <p:cNvPr id="5" name="Title 4">
             <a:extLst>
               <a:ext uri="{FF2B5EF4-FFF2-40B4-BE49-F238E27FC236}">
-                <a16:creationId xmlns="" xmlns:a16="http://schemas.microsoft.com/office/drawing/2014/main" id="{8BE4CA82-64EC-4D4E-A5E5-3EBB66E7B24C}"/>
+                <a16:creationId xmlns:a16="http://schemas.microsoft.com/office/drawing/2014/main" xmlns="" id="{8BE4CA82-64EC-4D4E-A5E5-3EBB66E7B24C}"/>
               </a:ext>
             </a:extLst>
           </p:cNvPr>
@@ -5469,7 +5365,7 @@
     </p:spTree>
     <p:extLst>
       <p:ext uri="{BB962C8B-B14F-4D97-AF65-F5344CB8AC3E}">
-        <p14:creationId xmlns:p14="http://schemas.microsoft.com/office/powerpoint/2010/main" xmlns="" val="4066255318"/>
+        <p14:creationId xmlns="" xmlns:p14="http://schemas.microsoft.com/office/powerpoint/2010/main" val="4066255318"/>
       </p:ext>
     </p:extLst>
   </p:cSld>
@@ -5508,7 +5404,7 @@
           <p:cNvPr id="2" name="Title 1">
             <a:extLst>
               <a:ext uri="{FF2B5EF4-FFF2-40B4-BE49-F238E27FC236}">
-                <a16:creationId xmlns="" xmlns:a16="http://schemas.microsoft.com/office/drawing/2014/main" id="{49FFEB4C-F209-4AE7-AA2B-B3C26CE2C51D}"/>
+                <a16:creationId xmlns:a16="http://schemas.microsoft.com/office/drawing/2014/main" xmlns="" id="{49FFEB4C-F209-4AE7-AA2B-B3C26CE2C51D}"/>
               </a:ext>
             </a:extLst>
           </p:cNvPr>
@@ -5547,7 +5443,7 @@
           <p:cNvPr id="3" name="Content Placeholder 2">
             <a:extLst>
               <a:ext uri="{FF2B5EF4-FFF2-40B4-BE49-F238E27FC236}">
-                <a16:creationId xmlns="" xmlns:a16="http://schemas.microsoft.com/office/drawing/2014/main" id="{B2678641-EEA3-4EC4-BF39-4075B0C120E8}"/>
+                <a16:creationId xmlns:a16="http://schemas.microsoft.com/office/drawing/2014/main" xmlns="" id="{B2678641-EEA3-4EC4-BF39-4075B0C120E8}"/>
               </a:ext>
             </a:extLst>
           </p:cNvPr>
@@ -5713,7 +5609,7 @@
     </p:spTree>
     <p:extLst>
       <p:ext uri="{BB962C8B-B14F-4D97-AF65-F5344CB8AC3E}">
-        <p14:creationId xmlns:p14="http://schemas.microsoft.com/office/powerpoint/2010/main" xmlns="" val="2900153716"/>
+        <p14:creationId xmlns="" xmlns:p14="http://schemas.microsoft.com/office/powerpoint/2010/main" val="2900153716"/>
       </p:ext>
     </p:extLst>
   </p:cSld>
@@ -6186,7 +6082,7 @@
           <p:cNvPr id="5" name="Title 4">
             <a:extLst>
               <a:ext uri="{FF2B5EF4-FFF2-40B4-BE49-F238E27FC236}">
-                <a16:creationId xmlns="" xmlns:a16="http://schemas.microsoft.com/office/drawing/2014/main" id="{8FBA75B4-2DD5-42EB-9397-F36BFB8BA723}"/>
+                <a16:creationId xmlns:a16="http://schemas.microsoft.com/office/drawing/2014/main" xmlns="" id="{8FBA75B4-2DD5-42EB-9397-F36BFB8BA723}"/>
               </a:ext>
             </a:extLst>
           </p:cNvPr>
@@ -6223,7 +6119,7 @@
           <p:cNvPr id="2" name="Content Placeholder 1">
             <a:extLst>
               <a:ext uri="{FF2B5EF4-FFF2-40B4-BE49-F238E27FC236}">
-                <a16:creationId xmlns="" xmlns:a16="http://schemas.microsoft.com/office/drawing/2014/main" id="{8FEE4A9C-3F57-7DA7-91FD-715C3FB47F93}"/>
+                <a16:creationId xmlns:a16="http://schemas.microsoft.com/office/drawing/2014/main" xmlns="" id="{8FEE4A9C-3F57-7DA7-91FD-715C3FB47F93}"/>
               </a:ext>
             </a:extLst>
           </p:cNvPr>
@@ -6291,11 +6187,7 @@
             <a:pPr lvl="1"/>
             <a:r>
               <a:rPr lang="en-US" b="1" dirty="0" smtClean="0"/>
-              <a:t>Develop </a:t>
-            </a:r>
-            <a:r>
-              <a:rPr lang="en-US" b="1" dirty="0" smtClean="0"/>
-              <a:t>a </a:t>
+              <a:t>Develop a </a:t>
             </a:r>
             <a:r>
               <a:rPr lang="en-US" b="1" dirty="0" err="1" smtClean="0"/>
@@ -6384,7 +6276,7 @@
     </p:spTree>
     <p:extLst>
       <p:ext uri="{BB962C8B-B14F-4D97-AF65-F5344CB8AC3E}">
-        <p14:creationId xmlns:p14="http://schemas.microsoft.com/office/powerpoint/2010/main" xmlns="" val="1186421160"/>
+        <p14:creationId xmlns="" xmlns:p14="http://schemas.microsoft.com/office/powerpoint/2010/main" val="1186421160"/>
       </p:ext>
     </p:extLst>
   </p:cSld>
@@ -6908,7 +6800,7 @@
           <p:cNvPr id="5" name="Title 4">
             <a:extLst>
               <a:ext uri="{FF2B5EF4-FFF2-40B4-BE49-F238E27FC236}">
-                <a16:creationId xmlns="" xmlns:a16="http://schemas.microsoft.com/office/drawing/2014/main" id="{8FBA75B4-2DD5-42EB-9397-F36BFB8BA723}"/>
+                <a16:creationId xmlns:a16="http://schemas.microsoft.com/office/drawing/2014/main" xmlns="" id="{8FBA75B4-2DD5-42EB-9397-F36BFB8BA723}"/>
               </a:ext>
             </a:extLst>
           </p:cNvPr>
@@ -6945,7 +6837,7 @@
           <p:cNvPr id="2" name="Content Placeholder 1">
             <a:extLst>
               <a:ext uri="{FF2B5EF4-FFF2-40B4-BE49-F238E27FC236}">
-                <a16:creationId xmlns="" xmlns:a16="http://schemas.microsoft.com/office/drawing/2014/main" id="{E041FD9D-DF07-9C37-1E61-1D920E0EF1D4}"/>
+                <a16:creationId xmlns:a16="http://schemas.microsoft.com/office/drawing/2014/main" xmlns="" id="{E041FD9D-DF07-9C37-1E61-1D920E0EF1D4}"/>
               </a:ext>
             </a:extLst>
           </p:cNvPr>
@@ -7020,11 +6912,7 @@
           <a:p>
             <a:r>
               <a:rPr lang="en-US" b="1" dirty="0" smtClean="0"/>
-              <a:t>3</a:t>
-            </a:r>
-            <a:r>
-              <a:rPr lang="en-US" b="1" dirty="0" smtClean="0"/>
-              <a:t>. </a:t>
+              <a:t>3. </a:t>
             </a:r>
             <a:r>
               <a:rPr lang="en-US" b="1" dirty="0" err="1" smtClean="0"/>
@@ -7091,7 +6979,7 @@
     </p:spTree>
     <p:extLst>
       <p:ext uri="{BB962C8B-B14F-4D97-AF65-F5344CB8AC3E}">
-        <p14:creationId xmlns:p14="http://schemas.microsoft.com/office/powerpoint/2010/main" xmlns="" val="3210358481"/>
+        <p14:creationId xmlns="" xmlns:p14="http://schemas.microsoft.com/office/powerpoint/2010/main" val="3210358481"/>
       </p:ext>
     </p:extLst>
   </p:cSld>
@@ -7942,7 +7830,7 @@
           <p:cNvPr id="5" name="Title 4">
             <a:extLst>
               <a:ext uri="{FF2B5EF4-FFF2-40B4-BE49-F238E27FC236}">
-                <a16:creationId xmlns="" xmlns:a16="http://schemas.microsoft.com/office/drawing/2014/main" id="{8FBA75B4-2DD5-42EB-9397-F36BFB8BA723}"/>
+                <a16:creationId xmlns:a16="http://schemas.microsoft.com/office/drawing/2014/main" xmlns="" id="{8FBA75B4-2DD5-42EB-9397-F36BFB8BA723}"/>
               </a:ext>
             </a:extLst>
           </p:cNvPr>
@@ -7991,7 +7879,7 @@
           <p:cNvPr id="2" name="Content Placeholder 1">
             <a:extLst>
               <a:ext uri="{FF2B5EF4-FFF2-40B4-BE49-F238E27FC236}">
-                <a16:creationId xmlns="" xmlns:a16="http://schemas.microsoft.com/office/drawing/2014/main" id="{C4FFAF3C-BA60-9181-132C-C36C403AAEA7}"/>
+                <a16:creationId xmlns:a16="http://schemas.microsoft.com/office/drawing/2014/main" xmlns="" id="{C4FFAF3C-BA60-9181-132C-C36C403AAEA7}"/>
               </a:ext>
             </a:extLst>
           </p:cNvPr>
@@ -8066,11 +7954,7 @@
           <a:p>
             <a:r>
               <a:rPr lang="en-US" sz="1800" dirty="0" smtClean="0"/>
-              <a:t>Despite being a technically sophisticated process, the tool is wrapped in an easy-to-use GUI with clear options for encoding and decoding, making it accessible even for non-technical users</a:t>
-            </a:r>
-            <a:r>
-              <a:rPr lang="en-US" sz="1800" dirty="0" smtClean="0"/>
-              <a:t>. </a:t>
+              <a:t>Despite being a technically sophisticated process, the tool is wrapped in an easy-to-use GUI with clear options for encoding and decoding, making it accessible even for non-technical users. </a:t>
             </a:r>
           </a:p>
           <a:p>
@@ -8079,15 +7963,7 @@
             </a:pPr>
             <a:r>
               <a:rPr lang="en-US" sz="2300" b="1" dirty="0" smtClean="0"/>
-              <a:t>4</a:t>
-            </a:r>
-            <a:r>
-              <a:rPr lang="en-US" sz="2300" b="1" dirty="0" smtClean="0"/>
-              <a:t>. </a:t>
-            </a:r>
-            <a:r>
-              <a:rPr lang="en-US" sz="2300" b="1" dirty="0" smtClean="0"/>
-              <a:t>Cross-Platform Compatibility:</a:t>
+              <a:t>4. Cross-Platform Compatibility:</a:t>
             </a:r>
           </a:p>
           <a:p>
@@ -8102,21 +7978,13 @@
             </a:pPr>
             <a:r>
               <a:rPr lang="en-US" sz="2100" b="1" dirty="0" smtClean="0"/>
-              <a:t>5. </a:t>
-            </a:r>
-            <a:r>
-              <a:rPr lang="en-US" sz="2100" b="1" dirty="0" smtClean="0"/>
-              <a:t>Open-Source &amp; Customizable:</a:t>
+              <a:t>5. Open-Source &amp; Customizable:</a:t>
             </a:r>
           </a:p>
           <a:p>
             <a:r>
               <a:rPr lang="en-US" sz="1800" dirty="0" smtClean="0"/>
-              <a:t>If you know Python, you can modify and extend this tool however you like. Want to add features like multi-image encoding, better encryption algorithms, or even support for audio files? The sky’s the limit</a:t>
-            </a:r>
-            <a:r>
-              <a:rPr lang="en-US" sz="1800" dirty="0" smtClean="0"/>
-              <a:t>.</a:t>
+              <a:t>If you know Python, you can modify and extend this tool however you like. Want to add features like multi-image encoding, better encryption algorithms, or even support for audio files? The sky’s the limit.</a:t>
             </a:r>
           </a:p>
           <a:p>
@@ -8125,15 +7993,7 @@
             </a:pPr>
             <a:r>
               <a:rPr lang="en-US" sz="2100" b="1" dirty="0" smtClean="0"/>
-              <a:t>6</a:t>
-            </a:r>
-            <a:r>
-              <a:rPr lang="en-US" sz="2100" b="1" dirty="0" smtClean="0"/>
-              <a:t>. </a:t>
-            </a:r>
-            <a:r>
-              <a:rPr lang="en-US" sz="2100" b="1" dirty="0" smtClean="0"/>
-              <a:t>Security + Stealth:</a:t>
+              <a:t>6. Security + Stealth:</a:t>
             </a:r>
           </a:p>
           <a:p>
@@ -8156,7 +8016,7 @@
     </p:spTree>
     <p:extLst>
       <p:ext uri="{BB962C8B-B14F-4D97-AF65-F5344CB8AC3E}">
-        <p14:creationId xmlns:p14="http://schemas.microsoft.com/office/powerpoint/2010/main" xmlns="" val="3202024527"/>
+        <p14:creationId xmlns="" xmlns:p14="http://schemas.microsoft.com/office/powerpoint/2010/main" val="3202024527"/>
       </p:ext>
     </p:extLst>
   </p:cSld>
@@ -8755,7 +8615,7 @@
           <p:cNvPr id="2" name="Title 1">
             <a:extLst>
               <a:ext uri="{FF2B5EF4-FFF2-40B4-BE49-F238E27FC236}">
-                <a16:creationId xmlns="" xmlns:a16="http://schemas.microsoft.com/office/drawing/2014/main" id="{5F45986D-DBC5-8220-FE6F-7F2ABC7C4CEE}"/>
+                <a16:creationId xmlns:a16="http://schemas.microsoft.com/office/drawing/2014/main" xmlns="" id="{5F45986D-DBC5-8220-FE6F-7F2ABC7C4CEE}"/>
               </a:ext>
             </a:extLst>
           </p:cNvPr>
@@ -8787,7 +8647,7 @@
           <p:cNvPr id="3" name="Content Placeholder 2">
             <a:extLst>
               <a:ext uri="{FF2B5EF4-FFF2-40B4-BE49-F238E27FC236}">
-                <a16:creationId xmlns="" xmlns:a16="http://schemas.microsoft.com/office/drawing/2014/main" id="{AB679E23-F86A-AFA9-FE9C-7F5A518E8198}"/>
+                <a16:creationId xmlns:a16="http://schemas.microsoft.com/office/drawing/2014/main" xmlns="" id="{AB679E23-F86A-AFA9-FE9C-7F5A518E8198}"/>
               </a:ext>
             </a:extLst>
           </p:cNvPr>
@@ -8807,133 +8667,61 @@
           <a:p>
             <a:r>
               <a:rPr lang="en-US" b="1" dirty="0" smtClean="0"/>
-              <a:t>1. Privacy-Conscious </a:t>
-            </a:r>
+              <a:t>1. Privacy-Conscious Individuals:</a:t>
+            </a:r>
+          </a:p>
+          <a:p>
             <a:r>
               <a:rPr lang="en-US" b="1" dirty="0" smtClean="0"/>
-              <a:t>Individuals:</a:t>
+              <a:t>2. Security Professionals:</a:t>
             </a:r>
           </a:p>
           <a:p>
             <a:r>
               <a:rPr lang="en-US" b="1" dirty="0" smtClean="0"/>
-              <a:t>2</a:t>
-            </a:r>
+              <a:t>3. Researchers in Cryptography &amp; Information Security:</a:t>
+            </a:r>
+          </a:p>
+          <a:p>
             <a:r>
               <a:rPr lang="en-US" b="1" dirty="0" smtClean="0"/>
-              <a:t>. Security </a:t>
-            </a:r>
+              <a:t>4. Educational Purposes:</a:t>
+            </a:r>
+          </a:p>
+          <a:p>
             <a:r>
               <a:rPr lang="en-US" b="1" dirty="0" smtClean="0"/>
-              <a:t>Professionals:</a:t>
+              <a:t>5. Digital Artists or Content Creators:</a:t>
             </a:r>
           </a:p>
           <a:p>
             <a:r>
               <a:rPr lang="en-US" b="1" dirty="0" smtClean="0"/>
-              <a:t>3</a:t>
-            </a:r>
+              <a:t>6. Governments &amp; Military:</a:t>
+            </a:r>
+          </a:p>
+          <a:p>
             <a:r>
               <a:rPr lang="en-US" b="1" dirty="0" smtClean="0"/>
-              <a:t>. Researchers in Cryptography &amp; Information </a:t>
-            </a:r>
+              <a:t>7. Media &amp; Entertainment Industry:</a:t>
+            </a:r>
+          </a:p>
+          <a:p>
             <a:r>
               <a:rPr lang="en-US" b="1" dirty="0" smtClean="0"/>
-              <a:t>Security:</a:t>
+              <a:t>8. Humanitarian Organizations:</a:t>
             </a:r>
           </a:p>
           <a:p>
             <a:r>
               <a:rPr lang="en-US" b="1" dirty="0" smtClean="0"/>
-              <a:t>4</a:t>
-            </a:r>
+              <a:t>9. General Consumers:</a:t>
+            </a:r>
+          </a:p>
+          <a:p>
             <a:r>
               <a:rPr lang="en-US" b="1" dirty="0" smtClean="0"/>
-              <a:t>. Educational </a:t>
-            </a:r>
-            <a:r>
-              <a:rPr lang="en-US" b="1" dirty="0" smtClean="0"/>
-              <a:t>Purposes:</a:t>
-            </a:r>
-          </a:p>
-          <a:p>
-            <a:r>
-              <a:rPr lang="en-US" b="1" dirty="0" smtClean="0"/>
-              <a:t>5</a:t>
-            </a:r>
-            <a:r>
-              <a:rPr lang="en-US" b="1" dirty="0" smtClean="0"/>
-              <a:t>. Digital Artists or Content </a:t>
-            </a:r>
-            <a:r>
-              <a:rPr lang="en-US" b="1" dirty="0" smtClean="0"/>
-              <a:t>Creators:</a:t>
-            </a:r>
-          </a:p>
-          <a:p>
-            <a:r>
-              <a:rPr lang="en-US" b="1" dirty="0" smtClean="0"/>
-              <a:t>6</a:t>
-            </a:r>
-            <a:r>
-              <a:rPr lang="en-US" b="1" dirty="0" smtClean="0"/>
-              <a:t>. Governments &amp; </a:t>
-            </a:r>
-            <a:r>
-              <a:rPr lang="en-US" b="1" dirty="0" smtClean="0"/>
-              <a:t>Military:</a:t>
-            </a:r>
-          </a:p>
-          <a:p>
-            <a:r>
-              <a:rPr lang="en-US" b="1" dirty="0" smtClean="0"/>
-              <a:t>7. </a:t>
-            </a:r>
-            <a:r>
-              <a:rPr lang="en-US" b="1" dirty="0" smtClean="0"/>
-              <a:t>Media &amp; Entertainment </a:t>
-            </a:r>
-            <a:r>
-              <a:rPr lang="en-US" b="1" dirty="0" smtClean="0"/>
-              <a:t>Industry:</a:t>
-            </a:r>
-          </a:p>
-          <a:p>
-            <a:r>
-              <a:rPr lang="en-US" b="1" dirty="0" smtClean="0"/>
-              <a:t>8</a:t>
-            </a:r>
-            <a:r>
-              <a:rPr lang="en-US" b="1" dirty="0" smtClean="0"/>
-              <a:t>. Humanitarian Organizations:</a:t>
-            </a:r>
-          </a:p>
-          <a:p>
-            <a:r>
-              <a:rPr lang="en-US" b="1" dirty="0" smtClean="0"/>
-              <a:t>9</a:t>
-            </a:r>
-            <a:r>
-              <a:rPr lang="en-US" b="1" dirty="0" smtClean="0"/>
-              <a:t>. General </a:t>
-            </a:r>
-            <a:r>
-              <a:rPr lang="en-US" b="1" dirty="0" smtClean="0"/>
-              <a:t>Consumers:</a:t>
-            </a:r>
-          </a:p>
-          <a:p>
-            <a:r>
-              <a:rPr lang="en-US" b="1" dirty="0" smtClean="0"/>
-              <a:t>10</a:t>
-            </a:r>
-            <a:r>
-              <a:rPr lang="en-US" b="1" dirty="0" smtClean="0"/>
-              <a:t>. Law Enforcement (Forensics</a:t>
-            </a:r>
-            <a:r>
-              <a:rPr lang="en-US" b="1" dirty="0" smtClean="0"/>
-              <a:t>):</a:t>
+              <a:t>10. Law Enforcement (Forensics):</a:t>
             </a:r>
             <a:endParaRPr lang="en-US" dirty="0"/>
           </a:p>
@@ -8942,7 +8730,7 @@
     </p:spTree>
     <p:extLst>
       <p:ext uri="{BB962C8B-B14F-4D97-AF65-F5344CB8AC3E}">
-        <p14:creationId xmlns:p14="http://schemas.microsoft.com/office/powerpoint/2010/main" xmlns="" val="3819043843"/>
+        <p14:creationId xmlns="" xmlns:p14="http://schemas.microsoft.com/office/powerpoint/2010/main" val="3819043843"/>
       </p:ext>
     </p:extLst>
   </p:cSld>
@@ -9455,7 +9243,7 @@
           <p:cNvPr id="2" name="Title 1">
             <a:extLst>
               <a:ext uri="{FF2B5EF4-FFF2-40B4-BE49-F238E27FC236}">
-                <a16:creationId xmlns="" xmlns:a16="http://schemas.microsoft.com/office/drawing/2014/main" id="{A4F8070C-FF0D-BBE3-3D8A-C3794CCCE8A2}"/>
+                <a16:creationId xmlns:a16="http://schemas.microsoft.com/office/drawing/2014/main" xmlns="" id="{A4F8070C-FF0D-BBE3-3D8A-C3794CCCE8A2}"/>
               </a:ext>
             </a:extLst>
           </p:cNvPr>
@@ -9482,34 +9270,34 @@
           </a:p>
         </p:txBody>
       </p:sp>
-      <p:sp>
-        <p:nvSpPr>
-          <p:cNvPr id="3" name="Content Placeholder 2">
-            <a:extLst>
-              <a:ext uri="{FF2B5EF4-FFF2-40B4-BE49-F238E27FC236}">
-                <a16:creationId xmlns="" xmlns:a16="http://schemas.microsoft.com/office/drawing/2014/main" id="{805D7125-AC62-752D-6E68-9EB88BCC631C}"/>
-              </a:ext>
-            </a:extLst>
-          </p:cNvPr>
-          <p:cNvSpPr>
-            <a:spLocks noGrp="1"/>
-          </p:cNvSpPr>
+      <p:pic>
+        <p:nvPicPr>
+          <p:cNvPr id="7" name="Content Placeholder 6" descr="encryptedImage.png"/>
+          <p:cNvPicPr>
+            <a:picLocks noGrp="1" noChangeAspect="1"/>
+          </p:cNvPicPr>
           <p:nvPr>
             <p:ph idx="1"/>
           </p:nvPr>
-        </p:nvSpPr>
-        <p:spPr/>
-        <p:txBody>
-          <a:bodyPr/>
-          <a:lstStyle/>
-          <a:p>
-            <a:pPr>
-              <a:buNone/>
-            </a:pPr>
-            <a:endParaRPr lang="en-IN" dirty="0"/>
-          </a:p>
-        </p:txBody>
-      </p:sp>
+        </p:nvPicPr>
+        <p:blipFill>
+          <a:blip r:embed="rId2"/>
+          <a:stretch>
+            <a:fillRect/>
+          </a:stretch>
+        </p:blipFill>
+        <p:spPr>
+          <a:xfrm>
+            <a:off x="5764741" y="5054600"/>
+            <a:ext cx="2922060" cy="1625600"/>
+          </a:xfrm>
+          <a:ln>
+            <a:solidFill>
+              <a:schemeClr val="tx1"/>
+            </a:solidFill>
+          </a:ln>
+        </p:spPr>
+      </p:pic>
       <p:pic>
         <p:nvPicPr>
           <p:cNvPr id="4" name="Picture 3" descr="decode.PNG"/>
@@ -9519,7 +9307,7 @@
           <p:nvPr/>
         </p:nvPicPr>
         <p:blipFill>
-          <a:blip r:embed="rId2"/>
+          <a:blip r:embed="rId3"/>
           <a:stretch>
             <a:fillRect/>
           </a:stretch>
@@ -9548,7 +9336,7 @@
           <p:nvPr/>
         </p:nvPicPr>
         <p:blipFill>
-          <a:blip r:embed="rId3"/>
+          <a:blip r:embed="rId4"/>
           <a:stretch>
             <a:fillRect/>
           </a:stretch>
@@ -9577,7 +9365,7 @@
           <p:nvPr/>
         </p:nvPicPr>
         <p:blipFill>
-          <a:blip r:embed="rId4"/>
+          <a:blip r:embed="rId5"/>
           <a:srcRect/>
           <a:stretch>
             <a:fillRect/>
@@ -9585,19 +9373,24 @@
         </p:blipFill>
         <p:spPr bwMode="auto">
           <a:xfrm>
-            <a:off x="4332131" y="4981073"/>
-            <a:ext cx="3339704" cy="1732548"/>
+            <a:off x="2257798" y="5096933"/>
+            <a:ext cx="2805269" cy="1548955"/>
           </a:xfrm>
           <a:prstGeom prst="rect">
             <a:avLst/>
           </a:prstGeom>
           <a:noFill/>
+          <a:ln>
+            <a:solidFill>
+              <a:schemeClr val="tx1"/>
+            </a:solidFill>
+          </a:ln>
         </p:spPr>
       </p:pic>
     </p:spTree>
     <p:extLst>
       <p:ext uri="{BB962C8B-B14F-4D97-AF65-F5344CB8AC3E}">
-        <p14:creationId xmlns:p14="http://schemas.microsoft.com/office/powerpoint/2010/main" xmlns="" val="2083715239"/>
+        <p14:creationId xmlns="" xmlns:p14="http://schemas.microsoft.com/office/powerpoint/2010/main" val="2083715239"/>
       </p:ext>
     </p:extLst>
   </p:cSld>
@@ -9856,7 +9649,7 @@
           <p:cNvPr id="2" name="Title 1">
             <a:extLst>
               <a:ext uri="{FF2B5EF4-FFF2-40B4-BE49-F238E27FC236}">
-                <a16:creationId xmlns="" xmlns:a16="http://schemas.microsoft.com/office/drawing/2014/main" id="{FA4C6B3D-1072-C2D2-EBFE-E33CABE394D1}"/>
+                <a16:creationId xmlns:a16="http://schemas.microsoft.com/office/drawing/2014/main" xmlns="" id="{FA4C6B3D-1072-C2D2-EBFE-E33CABE394D1}"/>
               </a:ext>
             </a:extLst>
           </p:cNvPr>
@@ -9888,7 +9681,7 @@
           <p:cNvPr id="3" name="Content Placeholder 2">
             <a:extLst>
               <a:ext uri="{FF2B5EF4-FFF2-40B4-BE49-F238E27FC236}">
-                <a16:creationId xmlns="" xmlns:a16="http://schemas.microsoft.com/office/drawing/2014/main" id="{D4974547-DF1B-77BB-E545-9344EDB9AD3F}"/>
+                <a16:creationId xmlns:a16="http://schemas.microsoft.com/office/drawing/2014/main" xmlns="" id="{D4974547-DF1B-77BB-E545-9344EDB9AD3F}"/>
               </a:ext>
             </a:extLst>
           </p:cNvPr>
@@ -10110,14 +9903,13 @@
               <a:rPr lang="en-US" dirty="0" smtClean="0"/>
               <a:t>.</a:t>
             </a:r>
-            <a:endParaRPr lang="en-US" dirty="0" smtClean="0"/>
           </a:p>
         </p:txBody>
       </p:sp>
     </p:spTree>
     <p:extLst>
       <p:ext uri="{BB962C8B-B14F-4D97-AF65-F5344CB8AC3E}">
-        <p14:creationId xmlns:p14="http://schemas.microsoft.com/office/powerpoint/2010/main" xmlns="" val="4233882376"/>
+        <p14:creationId xmlns="" xmlns:p14="http://schemas.microsoft.com/office/powerpoint/2010/main" val="4233882376"/>
       </p:ext>
     </p:extLst>
   </p:cSld>
@@ -11315,7 +11107,7 @@
           <p:cNvPr id="2" name="Title 1">
             <a:extLst>
               <a:ext uri="{FF2B5EF4-FFF2-40B4-BE49-F238E27FC236}">
-                <a16:creationId xmlns="" xmlns:a16="http://schemas.microsoft.com/office/drawing/2014/main" id="{48E9F08C-D61F-627D-C4E5-397E3E84FC45}"/>
+                <a16:creationId xmlns:a16="http://schemas.microsoft.com/office/drawing/2014/main" xmlns="" id="{48E9F08C-D61F-627D-C4E5-397E3E84FC45}"/>
               </a:ext>
             </a:extLst>
           </p:cNvPr>
@@ -11347,7 +11139,7 @@
           <p:cNvPr id="3" name="Content Placeholder 2">
             <a:extLst>
               <a:ext uri="{FF2B5EF4-FFF2-40B4-BE49-F238E27FC236}">
-                <a16:creationId xmlns="" xmlns:a16="http://schemas.microsoft.com/office/drawing/2014/main" id="{51A299DD-46FA-7866-41D8-C1BFCC2F69DD}"/>
+                <a16:creationId xmlns:a16="http://schemas.microsoft.com/office/drawing/2014/main" xmlns="" id="{51A299DD-46FA-7866-41D8-C1BFCC2F69DD}"/>
               </a:ext>
             </a:extLst>
           </p:cNvPr>
@@ -11405,7 +11197,7 @@
     </p:spTree>
     <p:extLst>
       <p:ext uri="{BB962C8B-B14F-4D97-AF65-F5344CB8AC3E}">
-        <p14:creationId xmlns:p14="http://schemas.microsoft.com/office/powerpoint/2010/main" xmlns="" val="2230664768"/>
+        <p14:creationId xmlns="" xmlns:p14="http://schemas.microsoft.com/office/powerpoint/2010/main" val="2230664768"/>
       </p:ext>
     </p:extLst>
   </p:cSld>
@@ -11829,7 +11621,7 @@
   <a:extraClrSchemeLst/>
   <a:extLst>
     <a:ext uri="{05A4C25C-085E-4340-85A3-A5531E510DB2}">
-      <thm15:themeFamily xmlns="" xmlns:thm15="http://schemas.microsoft.com/office/thememl/2012/main" name="DividendVTI" id="{97558BDE-0B66-457C-BB6F-7B1B22DAA9B8}" vid="{F53508A3-AC60-448A-AF37-934D5F1A0D5E}"/>
+      <thm15:themeFamily xmlns:thm15="http://schemas.microsoft.com/office/thememl/2012/main" xmlns="" name="DividendVTI" id="{97558BDE-0B66-457C-BB6F-7B1B22DAA9B8}" vid="{F53508A3-AC60-448A-AF37-934D5F1A0D5E}"/>
     </a:ext>
   </a:extLst>
 </a:theme>
@@ -12124,30 +11916,13 @@
   <a:extraClrSchemeLst/>
   <a:extLst>
     <a:ext uri="{05A4C25C-085E-4340-85A3-A5531E510DB2}">
-      <thm15:themeFamily xmlns="" xmlns:thm15="http://schemas.microsoft.com/office/thememl/2012/main" name="Office Theme" id="{62F939B6-93AF-4DB8-9C6B-D6C7DFDC589F}" vid="{4A3C46E8-61CC-4603-A589-7422A47A8E4A}"/>
+      <thm15:themeFamily xmlns:thm15="http://schemas.microsoft.com/office/thememl/2012/main" xmlns="" name="Office Theme" id="{62F939B6-93AF-4DB8-9C6B-D6C7DFDC589F}" vid="{4A3C46E8-61CC-4603-A589-7422A47A8E4A}"/>
     </a:ext>
   </a:extLst>
 </a:theme>
 </file>
 
 <file path=customXml/item1.xml><?xml version="1.0" encoding="utf-8"?>
-<p:properties xmlns:p="http://schemas.microsoft.com/office/2006/metadata/properties" xmlns:xsi="http://www.w3.org/2001/XMLSchema-instance" xmlns:pc="http://schemas.microsoft.com/office/infopath/2007/PartnerControls">
-  <documentManagement>
-    <_activity xmlns="b30265f8-c5e2-4918-b4a1-b977299ca3e2" xsi:nil="true"/>
-  </documentManagement>
-</p:properties>
-</file>
-
-<file path=customXml/item2.xml><?xml version="1.0" encoding="utf-8"?>
-<?mso-contentType ?>
-<FormTemplates xmlns="http://schemas.microsoft.com/sharepoint/v3/contenttype/forms">
-  <Display>DocumentLibraryForm</Display>
-  <Edit>DocumentLibraryForm</Edit>
-  <New>DocumentLibraryForm</New>
-</FormTemplates>
-</file>
-
-<file path=customXml/item3.xml><?xml version="1.0" encoding="utf-8"?>
 <ct:contentTypeSchema xmlns:ct="http://schemas.microsoft.com/office/2006/metadata/contentType" xmlns:ma="http://schemas.microsoft.com/office/2006/metadata/properties/metaAttributes" ct:_="" ma:_="" ma:contentTypeName="Document" ma:contentTypeID="0x0101007F0268AC5E70984D8FE60B7154176407" ma:contentTypeVersion="15" ma:contentTypeDescription="Create a new document." ma:contentTypeScope="" ma:versionID="104e359103f0f57b1cf9676756e5b944">
   <xsd:schema xmlns:xsd="http://www.w3.org/2001/XMLSchema" xmlns:xs="http://www.w3.org/2001/XMLSchema" xmlns:p="http://schemas.microsoft.com/office/2006/metadata/properties" xmlns:ns3="b30265f8-c5e2-4918-b4a1-b977299ca3e2" xmlns:ns4="fadb41d3-f9cb-40fb-903c-8cacaba95bb5" targetNamespace="http://schemas.microsoft.com/office/2006/metadata/properties" ma:root="true" ma:fieldsID="5615b8f8aa772998bad551f24a33de0e" ns3:_="" ns4:_="">
     <xsd:import namespace="b30265f8-c5e2-4918-b4a1-b977299ca3e2"/>
@@ -12380,32 +12155,24 @@
 </ct:contentTypeSchema>
 </file>
 
-<file path=customXml/itemProps1.xml><?xml version="1.0" encoding="utf-8"?>
-<ds:datastoreItem xmlns:ds="http://schemas.openxmlformats.org/officeDocument/2006/customXml" ds:itemID="{8D289AE2-D2AE-49D1-AFAC-3A79F6794255}">
-  <ds:schemaRefs>
-    <ds:schemaRef ds:uri="http://schemas.openxmlformats.org/package/2006/metadata/core-properties"/>
-    <ds:schemaRef ds:uri="http://schemas.microsoft.com/office/2006/documentManagement/types"/>
-    <ds:schemaRef ds:uri="http://purl.org/dc/dcmitype/"/>
-    <ds:schemaRef ds:uri="http://schemas.microsoft.com/office/infopath/2007/PartnerControls"/>
-    <ds:schemaRef ds:uri="http://purl.org/dc/elements/1.1/"/>
-    <ds:schemaRef ds:uri="http://schemas.microsoft.com/office/2006/metadata/properties"/>
-    <ds:schemaRef ds:uri="fadb41d3-f9cb-40fb-903c-8cacaba95bb5"/>
-    <ds:schemaRef ds:uri="http://purl.org/dc/terms/"/>
-    <ds:schemaRef ds:uri="b30265f8-c5e2-4918-b4a1-b977299ca3e2"/>
-    <ds:schemaRef ds:uri="http://www.w3.org/XML/1998/namespace"/>
-  </ds:schemaRefs>
-</ds:datastoreItem>
+<file path=customXml/item2.xml><?xml version="1.0" encoding="utf-8"?>
+<?mso-contentType ?>
+<FormTemplates xmlns="http://schemas.microsoft.com/sharepoint/v3/contenttype/forms">
+  <Display>DocumentLibraryForm</Display>
+  <Edit>DocumentLibraryForm</Edit>
+  <New>DocumentLibraryForm</New>
+</FormTemplates>
 </file>
 
-<file path=customXml/itemProps2.xml><?xml version="1.0" encoding="utf-8"?>
-<ds:datastoreItem xmlns:ds="http://schemas.openxmlformats.org/officeDocument/2006/customXml" ds:itemID="{927BD4C1-B6B1-4715-ABF9-E660A51A4EA0}">
-  <ds:schemaRefs>
-    <ds:schemaRef ds:uri="http://schemas.microsoft.com/sharepoint/v3/contenttype/forms"/>
-  </ds:schemaRefs>
-</ds:datastoreItem>
+<file path=customXml/item3.xml><?xml version="1.0" encoding="utf-8"?>
+<p:properties xmlns:p="http://schemas.microsoft.com/office/2006/metadata/properties" xmlns:xsi="http://www.w3.org/2001/XMLSchema-instance" xmlns:pc="http://schemas.microsoft.com/office/infopath/2007/PartnerControls">
+  <documentManagement>
+    <_activity xmlns="b30265f8-c5e2-4918-b4a1-b977299ca3e2" xsi:nil="true"/>
+  </documentManagement>
+</p:properties>
 </file>
 
-<file path=customXml/itemProps3.xml><?xml version="1.0" encoding="utf-8"?>
+<file path=customXml/itemProps1.xml><?xml version="1.0" encoding="utf-8"?>
 <ds:datastoreItem xmlns:ds="http://schemas.openxmlformats.org/officeDocument/2006/customXml" ds:itemID="{9DD71778-17EE-4151-88AE-C8F4E8043BD9}">
   <ds:schemaRefs>
     <ds:schemaRef ds:uri="http://schemas.microsoft.com/office/2006/metadata/contentType"/>
@@ -12422,4 +12189,29 @@
     <ds:schemaRef ds:uri="http://schemas.microsoft.com/internal/obd"/>
   </ds:schemaRefs>
 </ds:datastoreItem>
+</file>
+
+<file path=customXml/itemProps2.xml><?xml version="1.0" encoding="utf-8"?>
+<ds:datastoreItem xmlns:ds="http://schemas.openxmlformats.org/officeDocument/2006/customXml" ds:itemID="{927BD4C1-B6B1-4715-ABF9-E660A51A4EA0}">
+  <ds:schemaRefs>
+    <ds:schemaRef ds:uri="http://schemas.microsoft.com/sharepoint/v3/contenttype/forms"/>
+  </ds:schemaRefs>
+</ds:datastoreItem>
+</file>
+
+<file path=customXml/itemProps3.xml><?xml version="1.0" encoding="utf-8"?>
+<ds:datastoreItem xmlns:ds="http://schemas.openxmlformats.org/officeDocument/2006/customXml" ds:itemID="{8D289AE2-D2AE-49D1-AFAC-3A79F6794255}">
+  <ds:schemaRefs>
+    <ds:schemaRef ds:uri="http://schemas.openxmlformats.org/package/2006/metadata/core-properties"/>
+    <ds:schemaRef ds:uri="http://schemas.microsoft.com/office/2006/documentManagement/types"/>
+    <ds:schemaRef ds:uri="http://purl.org/dc/dcmitype/"/>
+    <ds:schemaRef ds:uri="http://schemas.microsoft.com/office/infopath/2007/PartnerControls"/>
+    <ds:schemaRef ds:uri="http://purl.org/dc/elements/1.1/"/>
+    <ds:schemaRef ds:uri="http://schemas.microsoft.com/office/2006/metadata/properties"/>
+    <ds:schemaRef ds:uri="fadb41d3-f9cb-40fb-903c-8cacaba95bb5"/>
+    <ds:schemaRef ds:uri="http://purl.org/dc/terms/"/>
+    <ds:schemaRef ds:uri="b30265f8-c5e2-4918-b4a1-b977299ca3e2"/>
+    <ds:schemaRef ds:uri="http://www.w3.org/XML/1998/namespace"/>
+  </ds:schemaRefs>
+</ds:datastoreItem>
 </file>